--- a/PPT/Audit Management System[IJ024].pptx
+++ b/PPT/Audit Management System[IJ024].pptx
@@ -128,7 +128,7 @@
   </p:defaultTextStyle>
   <p:extLst>
     <p:ext uri="{EFAFB233-063F-42B5-8137-9DF3F51BA10A}">
-      <p15:sldGuideLst xmlns:p15="http://schemas.microsoft.com/office/powerpoint/2012/main" xmlns="">
+      <p15:sldGuideLst xmlns="" xmlns:p15="http://schemas.microsoft.com/office/powerpoint/2012/main">
         <p15:guide id="1" orient="horz" pos="1620">
           <p15:clr>
             <a:srgbClr val="A4A3A4"/>
@@ -2820,7 +2820,7 @@
     </p:spTree>
     <p:extLst>
       <p:ext uri="{BB962C8B-B14F-4D97-AF65-F5344CB8AC3E}">
-        <p14:creationId xmlns:p14="http://schemas.microsoft.com/office/powerpoint/2010/main" xmlns="" val="3126916624"/>
+        <p14:creationId xmlns="" xmlns:p14="http://schemas.microsoft.com/office/powerpoint/2010/main" val="3126916624"/>
       </p:ext>
     </p:extLst>
   </p:cSld>
@@ -3913,7 +3913,7 @@
     </p:spTree>
     <p:extLst>
       <p:ext uri="{BB962C8B-B14F-4D97-AF65-F5344CB8AC3E}">
-        <p14:creationId xmlns:p14="http://schemas.microsoft.com/office/powerpoint/2010/main" xmlns="" val="10827115"/>
+        <p14:creationId xmlns="" xmlns:p14="http://schemas.microsoft.com/office/powerpoint/2010/main" val="10827115"/>
       </p:ext>
     </p:extLst>
   </p:cSld>
@@ -4918,7 +4918,7 @@
     </p:spTree>
     <p:extLst>
       <p:ext uri="{BB962C8B-B14F-4D97-AF65-F5344CB8AC3E}">
-        <p14:creationId xmlns:p14="http://schemas.microsoft.com/office/powerpoint/2010/main" xmlns="" val="495580326"/>
+        <p14:creationId xmlns="" xmlns:p14="http://schemas.microsoft.com/office/powerpoint/2010/main" val="495580326"/>
       </p:ext>
     </p:extLst>
   </p:cSld>
@@ -6077,7 +6077,7 @@
     </p:spTree>
     <p:extLst>
       <p:ext uri="{BB962C8B-B14F-4D97-AF65-F5344CB8AC3E}">
-        <p14:creationId xmlns:p14="http://schemas.microsoft.com/office/powerpoint/2010/main" xmlns="" val="1035167707"/>
+        <p14:creationId xmlns="" xmlns:p14="http://schemas.microsoft.com/office/powerpoint/2010/main" val="1035167707"/>
       </p:ext>
     </p:extLst>
   </p:cSld>
@@ -7135,7 +7135,7 @@
     </p:spTree>
     <p:extLst>
       <p:ext uri="{BB962C8B-B14F-4D97-AF65-F5344CB8AC3E}">
-        <p14:creationId xmlns:p14="http://schemas.microsoft.com/office/powerpoint/2010/main" xmlns="" val="3543658887"/>
+        <p14:creationId xmlns="" xmlns:p14="http://schemas.microsoft.com/office/powerpoint/2010/main" val="3543658887"/>
       </p:ext>
     </p:extLst>
   </p:cSld>
@@ -7784,7 +7784,7 @@
     </p:spTree>
     <p:extLst>
       <p:ext uri="{BB962C8B-B14F-4D97-AF65-F5344CB8AC3E}">
-        <p14:creationId xmlns:p14="http://schemas.microsoft.com/office/powerpoint/2010/main" xmlns="" val="829875780"/>
+        <p14:creationId xmlns="" xmlns:p14="http://schemas.microsoft.com/office/powerpoint/2010/main" val="829875780"/>
       </p:ext>
     </p:extLst>
   </p:cSld>
@@ -8675,7 +8675,7 @@
     </p:spTree>
     <p:extLst>
       <p:ext uri="{BB962C8B-B14F-4D97-AF65-F5344CB8AC3E}">
-        <p14:creationId xmlns:p14="http://schemas.microsoft.com/office/powerpoint/2010/main" xmlns="" val="332476832"/>
+        <p14:creationId xmlns="" xmlns:p14="http://schemas.microsoft.com/office/powerpoint/2010/main" val="332476832"/>
       </p:ext>
     </p:extLst>
   </p:cSld>
@@ -8885,7 +8885,7 @@
     </p:spTree>
     <p:extLst>
       <p:ext uri="{BB962C8B-B14F-4D97-AF65-F5344CB8AC3E}">
-        <p14:creationId xmlns:p14="http://schemas.microsoft.com/office/powerpoint/2010/main" xmlns="" val="1640229708"/>
+        <p14:creationId xmlns="" xmlns:p14="http://schemas.microsoft.com/office/powerpoint/2010/main" val="1640229708"/>
       </p:ext>
     </p:extLst>
   </p:cSld>
@@ -9918,7 +9918,7 @@
     </p:spTree>
     <p:extLst>
       <p:ext uri="{BB962C8B-B14F-4D97-AF65-F5344CB8AC3E}">
-        <p14:creationId xmlns:p14="http://schemas.microsoft.com/office/powerpoint/2010/main" xmlns="" val="1708857575"/>
+        <p14:creationId xmlns="" xmlns:p14="http://schemas.microsoft.com/office/powerpoint/2010/main" val="1708857575"/>
       </p:ext>
     </p:extLst>
   </p:cSld>
@@ -10166,7 +10166,7 @@
     </p:spTree>
     <p:extLst>
       <p:ext uri="{BB962C8B-B14F-4D97-AF65-F5344CB8AC3E}">
-        <p14:creationId xmlns:p14="http://schemas.microsoft.com/office/powerpoint/2010/main" xmlns="" val="632768109"/>
+        <p14:creationId xmlns="" xmlns:p14="http://schemas.microsoft.com/office/powerpoint/2010/main" val="632768109"/>
       </p:ext>
     </p:extLst>
   </p:cSld>
@@ -10542,7 +10542,7 @@
     </p:spTree>
     <p:extLst>
       <p:ext uri="{BB962C8B-B14F-4D97-AF65-F5344CB8AC3E}">
-        <p14:creationId xmlns:p14="http://schemas.microsoft.com/office/powerpoint/2010/main" xmlns="" val="1867168828"/>
+        <p14:creationId xmlns="" xmlns:p14="http://schemas.microsoft.com/office/powerpoint/2010/main" val="1867168828"/>
       </p:ext>
     </p:extLst>
   </p:cSld>
@@ -10741,7 +10741,7 @@
     </p:spTree>
     <p:extLst>
       <p:ext uri="{BB962C8B-B14F-4D97-AF65-F5344CB8AC3E}">
-        <p14:creationId xmlns:p14="http://schemas.microsoft.com/office/powerpoint/2010/main" xmlns="" val="4103806731"/>
+        <p14:creationId xmlns="" xmlns:p14="http://schemas.microsoft.com/office/powerpoint/2010/main" val="4103806731"/>
       </p:ext>
     </p:extLst>
   </p:cSld>
@@ -11120,7 +11120,7 @@
     </p:spTree>
     <p:extLst>
       <p:ext uri="{BB962C8B-B14F-4D97-AF65-F5344CB8AC3E}">
-        <p14:creationId xmlns:p14="http://schemas.microsoft.com/office/powerpoint/2010/main" xmlns="" val="2236130147"/>
+        <p14:creationId xmlns="" xmlns:p14="http://schemas.microsoft.com/office/powerpoint/2010/main" val="2236130147"/>
       </p:ext>
     </p:extLst>
   </p:cSld>
@@ -11367,7 +11367,7 @@
     </p:spTree>
     <p:extLst>
       <p:ext uri="{BB962C8B-B14F-4D97-AF65-F5344CB8AC3E}">
-        <p14:creationId xmlns:p14="http://schemas.microsoft.com/office/powerpoint/2010/main" xmlns="" val="3355748131"/>
+        <p14:creationId xmlns="" xmlns:p14="http://schemas.microsoft.com/office/powerpoint/2010/main" val="3355748131"/>
       </p:ext>
     </p:extLst>
   </p:cSld>
@@ -12461,7 +12461,7 @@
     </p:spTree>
     <p:extLst>
       <p:ext uri="{BB962C8B-B14F-4D97-AF65-F5344CB8AC3E}">
-        <p14:creationId xmlns:p14="http://schemas.microsoft.com/office/powerpoint/2010/main" xmlns="" val="4191342823"/>
+        <p14:creationId xmlns="" xmlns:p14="http://schemas.microsoft.com/office/powerpoint/2010/main" val="4191342823"/>
       </p:ext>
     </p:extLst>
   </p:cSld>
@@ -12722,7 +12722,7 @@
     </p:spTree>
     <p:extLst>
       <p:ext uri="{BB962C8B-B14F-4D97-AF65-F5344CB8AC3E}">
-        <p14:creationId xmlns:p14="http://schemas.microsoft.com/office/powerpoint/2010/main" xmlns="" val="474261700"/>
+        <p14:creationId xmlns="" xmlns:p14="http://schemas.microsoft.com/office/powerpoint/2010/main" val="474261700"/>
       </p:ext>
     </p:extLst>
   </p:cSld>
@@ -13157,7 +13157,7 @@
     </p:spTree>
     <p:extLst>
       <p:ext uri="{BB962C8B-B14F-4D97-AF65-F5344CB8AC3E}">
-        <p14:creationId xmlns:p14="http://schemas.microsoft.com/office/powerpoint/2010/main" xmlns="" val="3103347591"/>
+        <p14:creationId xmlns="" xmlns:p14="http://schemas.microsoft.com/office/powerpoint/2010/main" val="3103347591"/>
       </p:ext>
     </p:extLst>
   </p:cSld>
@@ -13309,7 +13309,7 @@
     </p:spTree>
     <p:extLst>
       <p:ext uri="{BB962C8B-B14F-4D97-AF65-F5344CB8AC3E}">
-        <p14:creationId xmlns:p14="http://schemas.microsoft.com/office/powerpoint/2010/main" xmlns="" val="4173673651"/>
+        <p14:creationId xmlns="" xmlns:p14="http://schemas.microsoft.com/office/powerpoint/2010/main" val="4173673651"/>
       </p:ext>
     </p:extLst>
   </p:cSld>
@@ -13465,7 +13465,7 @@
     </p:spTree>
     <p:extLst>
       <p:ext uri="{BB962C8B-B14F-4D97-AF65-F5344CB8AC3E}">
-        <p14:creationId xmlns:p14="http://schemas.microsoft.com/office/powerpoint/2010/main" xmlns="" val="2410405196"/>
+        <p14:creationId xmlns="" xmlns:p14="http://schemas.microsoft.com/office/powerpoint/2010/main" val="2410405196"/>
       </p:ext>
     </p:extLst>
   </p:cSld>
@@ -14570,7 +14570,7 @@
     </p:spTree>
     <p:extLst>
       <p:ext uri="{BB962C8B-B14F-4D97-AF65-F5344CB8AC3E}">
-        <p14:creationId xmlns:p14="http://schemas.microsoft.com/office/powerpoint/2010/main" xmlns="" val="2603306181"/>
+        <p14:creationId xmlns="" xmlns:p14="http://schemas.microsoft.com/office/powerpoint/2010/main" val="2603306181"/>
       </p:ext>
     </p:extLst>
   </p:cSld>
@@ -15703,7 +15703,7 @@
     </p:spTree>
     <p:extLst>
       <p:ext uri="{BB962C8B-B14F-4D97-AF65-F5344CB8AC3E}">
-        <p14:creationId xmlns:p14="http://schemas.microsoft.com/office/powerpoint/2010/main" xmlns="" val="2863068936"/>
+        <p14:creationId xmlns="" xmlns:p14="http://schemas.microsoft.com/office/powerpoint/2010/main" val="2863068936"/>
       </p:ext>
     </p:extLst>
   </p:cSld>
@@ -16757,7 +16757,7 @@
     </p:spTree>
     <p:extLst>
       <p:ext uri="{BB962C8B-B14F-4D97-AF65-F5344CB8AC3E}">
-        <p14:creationId xmlns:p14="http://schemas.microsoft.com/office/powerpoint/2010/main" xmlns="" val="3901953483"/>
+        <p14:creationId xmlns="" xmlns:p14="http://schemas.microsoft.com/office/powerpoint/2010/main" val="3901953483"/>
       </p:ext>
     </p:extLst>
   </p:cSld>
@@ -17572,7 +17572,7 @@
     <a:masterClrMapping/>
   </p:clrMapOvr>
   <mc:AlternateContent xmlns:mc="http://schemas.openxmlformats.org/markup-compatibility/2006">
-    <mc:Choice xmlns:p14="http://schemas.microsoft.com/office/powerpoint/2010/main" xmlns="" Requires="p14">
+    <mc:Choice xmlns="" xmlns:p14="http://schemas.microsoft.com/office/powerpoint/2010/main" Requires="p14">
       <p:transition spd="slow">
         <p:fade thruBlk="1"/>
       </p:transition>
@@ -18981,7 +18981,7 @@
     <a:masterClrMapping/>
   </p:clrMapOvr>
   <mc:AlternateContent xmlns:mc="http://schemas.openxmlformats.org/markup-compatibility/2006">
-    <mc:Choice xmlns:p14="http://schemas.microsoft.com/office/powerpoint/2010/main" xmlns="" Requires="p14">
+    <mc:Choice xmlns="" xmlns:p14="http://schemas.microsoft.com/office/powerpoint/2010/main" Requires="p14">
       <p:transition spd="slow">
         <p:fade thruBlk="1"/>
       </p:transition>
@@ -19750,7 +19750,7 @@
     <a:masterClrMapping/>
   </p:clrMapOvr>
   <mc:AlternateContent xmlns:mc="http://schemas.openxmlformats.org/markup-compatibility/2006">
-    <mc:Choice xmlns:p14="http://schemas.microsoft.com/office/powerpoint/2010/main" xmlns="" Requires="p14">
+    <mc:Choice xmlns="" xmlns:p14="http://schemas.microsoft.com/office/powerpoint/2010/main" Requires="p14">
       <p:transition spd="slow">
         <p:push dir="r"/>
       </p:transition>
@@ -20490,7 +20490,7 @@
     <a:masterClrMapping/>
   </p:clrMapOvr>
   <mc:AlternateContent xmlns:mc="http://schemas.openxmlformats.org/markup-compatibility/2006">
-    <mc:Choice xmlns:p14="http://schemas.microsoft.com/office/powerpoint/2010/main" xmlns="" Requires="p14">
+    <mc:Choice xmlns="" xmlns:p14="http://schemas.microsoft.com/office/powerpoint/2010/main" Requires="p14">
       <p:transition spd="slow">
         <p:fade/>
       </p:transition>
@@ -20933,7 +20933,7 @@
     </p:spTree>
     <p:extLst>
       <p:ext uri="{BB962C8B-B14F-4D97-AF65-F5344CB8AC3E}">
-        <p14:creationId xmlns:p14="http://schemas.microsoft.com/office/powerpoint/2010/main" xmlns="" val="29549921"/>
+        <p14:creationId xmlns="" xmlns:p14="http://schemas.microsoft.com/office/powerpoint/2010/main" val="29549921"/>
       </p:ext>
     </p:extLst>
   </p:cSld>
@@ -20941,7 +20941,7 @@
     <a:masterClrMapping/>
   </p:clrMapOvr>
   <mc:AlternateContent xmlns:mc="http://schemas.openxmlformats.org/markup-compatibility/2006">
-    <mc:Choice xmlns:p14="http://schemas.microsoft.com/office/powerpoint/2010/main" xmlns="" Requires="p14">
+    <mc:Choice xmlns="" xmlns:p14="http://schemas.microsoft.com/office/powerpoint/2010/main" Requires="p14">
       <p:transition spd="slow" p14:dur="2000">
         <p:push dir="u"/>
       </p:transition>
@@ -21051,7 +21051,7 @@
     <a:masterClrMapping/>
   </p:clrMapOvr>
   <mc:AlternateContent xmlns:mc="http://schemas.openxmlformats.org/markup-compatibility/2006">
-    <mc:Choice xmlns:p14="http://schemas.microsoft.com/office/powerpoint/2010/main" xmlns="" Requires="p14">
+    <mc:Choice xmlns="" xmlns:p14="http://schemas.microsoft.com/office/powerpoint/2010/main" Requires="p14">
       <p:transition spd="slow">
         <p:fade/>
       </p:transition>
@@ -21273,7 +21273,7 @@
     <a:masterClrMapping/>
   </p:clrMapOvr>
   <mc:AlternateContent xmlns:mc="http://schemas.openxmlformats.org/markup-compatibility/2006">
-    <mc:Choice xmlns:p14="http://schemas.microsoft.com/office/powerpoint/2010/main" xmlns="" Requires="p14">
+    <mc:Choice xmlns="" xmlns:p14="http://schemas.microsoft.com/office/powerpoint/2010/main" Requires="p14">
       <p:transition spd="slow">
         <p14:prism/>
       </p:transition>
@@ -21462,7 +21462,7 @@
     </p:spTree>
     <p:extLst>
       <p:ext uri="{BB962C8B-B14F-4D97-AF65-F5344CB8AC3E}">
-        <p14:creationId xmlns:p14="http://schemas.microsoft.com/office/powerpoint/2010/main" xmlns="" val="1082362779"/>
+        <p14:creationId xmlns="" xmlns:p14="http://schemas.microsoft.com/office/powerpoint/2010/main" val="1082362779"/>
       </p:ext>
     </p:extLst>
   </p:cSld>
@@ -21470,7 +21470,7 @@
     <a:masterClrMapping/>
   </p:clrMapOvr>
   <mc:AlternateContent xmlns:mc="http://schemas.openxmlformats.org/markup-compatibility/2006">
-    <mc:Choice xmlns:p14="http://schemas.microsoft.com/office/powerpoint/2010/main" xmlns="" Requires="p14">
+    <mc:Choice xmlns="" xmlns:p14="http://schemas.microsoft.com/office/powerpoint/2010/main" Requires="p14">
       <p:transition spd="slow" p14:dur="2000">
         <p:split orient="vert"/>
       </p:transition>
@@ -23231,13 +23231,7 @@
               <a:rPr lang="en-IN" dirty="0" smtClean="0">
                 <a:hlinkClick r:id="rId3"/>
               </a:rPr>
-              <a:t>https://</a:t>
-            </a:r>
-            <a:r>
-              <a:rPr lang="en-IN" dirty="0" smtClean="0">
-                <a:hlinkClick r:id="rId3"/>
-              </a:rPr>
-              <a:t>github.com/Nil3110/Audit-Management-System</a:t>
+              <a:t>https://github.com/Nil3110/Audit-Management-System</a:t>
             </a:r>
             <a:r>
               <a:rPr lang="en-IN" dirty="0" smtClean="0"/>
@@ -25529,7 +25523,7 @@
     <a:masterClrMapping/>
   </p:clrMapOvr>
   <mc:AlternateContent xmlns:mc="http://schemas.openxmlformats.org/markup-compatibility/2006">
-    <mc:Choice xmlns:p14="http://schemas.microsoft.com/office/powerpoint/2010/main" xmlns="" Requires="p14">
+    <mc:Choice xmlns="" xmlns:p14="http://schemas.microsoft.com/office/powerpoint/2010/main" Requires="p14">
       <p:transition spd="slow">
         <p:push/>
       </p:transition>
@@ -26067,7 +26061,7 @@
     <a:masterClrMapping/>
   </p:clrMapOvr>
   <mc:AlternateContent xmlns:mc="http://schemas.openxmlformats.org/markup-compatibility/2006">
-    <mc:Choice xmlns:p14="http://schemas.microsoft.com/office/powerpoint/2010/main" xmlns="" Requires="p14">
+    <mc:Choice xmlns="" xmlns:p14="http://schemas.microsoft.com/office/powerpoint/2010/main" Requires="p14">
       <p:transition spd="slow">
         <p14:gallery dir="l"/>
       </p:transition>
@@ -26332,7 +26326,23 @@
                   <a:schemeClr val="tx1"/>
                 </a:solidFill>
               </a:rPr>
-              <a:t>and deploy them in Amazon web services(AWS). We were also needed to build UI on angular.</a:t>
+              <a:t>and deploy them in </a:t>
+            </a:r>
+            <a:r>
+              <a:rPr lang="en-GB" smtClean="0">
+                <a:solidFill>
+                  <a:schemeClr val="tx1"/>
+                </a:solidFill>
+              </a:rPr>
+              <a:t>Microsoft Azure. We </a:t>
+            </a:r>
+            <a:r>
+              <a:rPr lang="en-GB" dirty="0">
+                <a:solidFill>
+                  <a:schemeClr val="tx1"/>
+                </a:solidFill>
+              </a:rPr>
+              <a:t>were also needed to build UI on angular.</a:t>
             </a:r>
             <a:endParaRPr dirty="0">
               <a:solidFill>
@@ -26364,7 +26374,7 @@
     <a:masterClrMapping/>
   </p:clrMapOvr>
   <mc:AlternateContent xmlns:mc="http://schemas.openxmlformats.org/markup-compatibility/2006">
-    <mc:Choice xmlns:p14="http://schemas.microsoft.com/office/powerpoint/2010/main" xmlns="" Requires="p14">
+    <mc:Choice xmlns="" xmlns:p14="http://schemas.microsoft.com/office/powerpoint/2010/main" Requires="p14">
       <p:transition spd="slow">
         <p:fade thruBlk="1"/>
       </p:transition>
@@ -26984,7 +26994,7 @@
     <a:masterClrMapping/>
   </p:clrMapOvr>
   <mc:AlternateContent xmlns:mc="http://schemas.openxmlformats.org/markup-compatibility/2006">
-    <mc:Choice xmlns:p14="http://schemas.microsoft.com/office/powerpoint/2010/main" xmlns="" Requires="p14">
+    <mc:Choice xmlns="" xmlns:p14="http://schemas.microsoft.com/office/powerpoint/2010/main" Requires="p14">
       <p:transition spd="slow">
         <p:push dir="r"/>
       </p:transition>
@@ -27497,7 +27507,7 @@
     </p:spTree>
     <p:extLst>
       <p:ext uri="{BB962C8B-B14F-4D97-AF65-F5344CB8AC3E}">
-        <p14:creationId xmlns:p14="http://schemas.microsoft.com/office/powerpoint/2010/main" xmlns="" val="2258327027"/>
+        <p14:creationId xmlns="" xmlns:p14="http://schemas.microsoft.com/office/powerpoint/2010/main" val="2258327027"/>
       </p:ext>
     </p:extLst>
   </p:cSld>
@@ -27505,7 +27515,7 @@
     <a:masterClrMapping/>
   </p:clrMapOvr>
   <mc:AlternateContent xmlns:mc="http://schemas.openxmlformats.org/markup-compatibility/2006">
-    <mc:Choice xmlns:p14="http://schemas.microsoft.com/office/powerpoint/2010/main" xmlns="" Requires="p14">
+    <mc:Choice xmlns="" xmlns:p14="http://schemas.microsoft.com/office/powerpoint/2010/main" Requires="p14">
       <p:transition spd="slow" p14:dur="1500">
         <p:split orient="vert"/>
       </p:transition>
@@ -27619,7 +27629,7 @@
     <a:masterClrMapping/>
   </p:clrMapOvr>
   <mc:AlternateContent xmlns:mc="http://schemas.openxmlformats.org/markup-compatibility/2006">
-    <mc:Choice xmlns:p14="http://schemas.microsoft.com/office/powerpoint/2010/main" xmlns="" Requires="p14">
+    <mc:Choice xmlns="" xmlns:p14="http://schemas.microsoft.com/office/powerpoint/2010/main" Requires="p14">
       <p:transition spd="slow">
         <p:fade/>
       </p:transition>
@@ -28101,7 +28111,7 @@
     <a:masterClrMapping/>
   </p:clrMapOvr>
   <mc:AlternateContent xmlns:mc="http://schemas.openxmlformats.org/markup-compatibility/2006">
-    <mc:Choice xmlns:p14="http://schemas.microsoft.com/office/powerpoint/2010/main" xmlns="" Requires="p14">
+    <mc:Choice xmlns="" xmlns:p14="http://schemas.microsoft.com/office/powerpoint/2010/main" Requires="p14">
       <p:transition spd="slow">
         <p14:flip dir="l"/>
       </p:transition>
@@ -28860,7 +28870,7 @@
     <a:masterClrMapping/>
   </p:clrMapOvr>
   <mc:AlternateContent xmlns:mc="http://schemas.openxmlformats.org/markup-compatibility/2006">
-    <mc:Choice xmlns:p14="http://schemas.microsoft.com/office/powerpoint/2010/main" xmlns="" Requires="p14">
+    <mc:Choice xmlns="" xmlns:p14="http://schemas.microsoft.com/office/powerpoint/2010/main" Requires="p14">
       <p:transition spd="slow">
         <p:fade thruBlk="1"/>
       </p:transition>
@@ -29879,7 +29889,7 @@
     <a:masterClrMapping/>
   </p:clrMapOvr>
   <mc:AlternateContent xmlns:mc="http://schemas.openxmlformats.org/markup-compatibility/2006">
-    <mc:Choice xmlns:p14="http://schemas.microsoft.com/office/powerpoint/2010/main" xmlns="" Requires="p14">
+    <mc:Choice xmlns="" xmlns:p14="http://schemas.microsoft.com/office/powerpoint/2010/main" Requires="p14">
       <p:transition spd="slow">
         <p:push/>
       </p:transition>
@@ -30549,7 +30559,7 @@
   <a:extraClrSchemeLst/>
   <a:extLst>
     <a:ext uri="{05A4C25C-085E-4340-85A3-A5531E510DB2}">
-      <thm15:themeFamily xmlns:thm15="http://schemas.microsoft.com/office/thememl/2012/main" xmlns="" name="Ion Boardroom" id="{FC33163D-4339-46B1-8EED-24C834239D99}" vid="{B8502691-933B-45FE-8764-BA278511EF27}"/>
+      <thm15:themeFamily xmlns="" xmlns:thm15="http://schemas.microsoft.com/office/thememl/2012/main" name="Ion Boardroom" id="{FC33163D-4339-46B1-8EED-24C834239D99}" vid="{B8502691-933B-45FE-8764-BA278511EF27}"/>
     </a:ext>
   </a:extLst>
 </a:theme>

--- a/PPT/Audit Management System[IJ024].pptx
+++ b/PPT/Audit Management System[IJ024].pptx
@@ -128,7 +128,7 @@
   </p:defaultTextStyle>
   <p:extLst>
     <p:ext uri="{EFAFB233-063F-42B5-8137-9DF3F51BA10A}">
-      <p15:sldGuideLst xmlns="" xmlns:p15="http://schemas.microsoft.com/office/powerpoint/2012/main">
+      <p15:sldGuideLst xmlns:p15="http://schemas.microsoft.com/office/powerpoint/2012/main" xmlns="">
         <p15:guide id="1" orient="horz" pos="1620">
           <p15:clr>
             <a:srgbClr val="A4A3A4"/>
@@ -2820,7 +2820,7 @@
     </p:spTree>
     <p:extLst>
       <p:ext uri="{BB962C8B-B14F-4D97-AF65-F5344CB8AC3E}">
-        <p14:creationId xmlns="" xmlns:p14="http://schemas.microsoft.com/office/powerpoint/2010/main" val="3126916624"/>
+        <p14:creationId xmlns:p14="http://schemas.microsoft.com/office/powerpoint/2010/main" xmlns="" val="3126916624"/>
       </p:ext>
     </p:extLst>
   </p:cSld>
@@ -3913,7 +3913,7 @@
     </p:spTree>
     <p:extLst>
       <p:ext uri="{BB962C8B-B14F-4D97-AF65-F5344CB8AC3E}">
-        <p14:creationId xmlns="" xmlns:p14="http://schemas.microsoft.com/office/powerpoint/2010/main" val="10827115"/>
+        <p14:creationId xmlns:p14="http://schemas.microsoft.com/office/powerpoint/2010/main" xmlns="" val="10827115"/>
       </p:ext>
     </p:extLst>
   </p:cSld>
@@ -4918,7 +4918,7 @@
     </p:spTree>
     <p:extLst>
       <p:ext uri="{BB962C8B-B14F-4D97-AF65-F5344CB8AC3E}">
-        <p14:creationId xmlns="" xmlns:p14="http://schemas.microsoft.com/office/powerpoint/2010/main" val="495580326"/>
+        <p14:creationId xmlns:p14="http://schemas.microsoft.com/office/powerpoint/2010/main" xmlns="" val="495580326"/>
       </p:ext>
     </p:extLst>
   </p:cSld>
@@ -6077,7 +6077,7 @@
     </p:spTree>
     <p:extLst>
       <p:ext uri="{BB962C8B-B14F-4D97-AF65-F5344CB8AC3E}">
-        <p14:creationId xmlns="" xmlns:p14="http://schemas.microsoft.com/office/powerpoint/2010/main" val="1035167707"/>
+        <p14:creationId xmlns:p14="http://schemas.microsoft.com/office/powerpoint/2010/main" xmlns="" val="1035167707"/>
       </p:ext>
     </p:extLst>
   </p:cSld>
@@ -7135,7 +7135,7 @@
     </p:spTree>
     <p:extLst>
       <p:ext uri="{BB962C8B-B14F-4D97-AF65-F5344CB8AC3E}">
-        <p14:creationId xmlns="" xmlns:p14="http://schemas.microsoft.com/office/powerpoint/2010/main" val="3543658887"/>
+        <p14:creationId xmlns:p14="http://schemas.microsoft.com/office/powerpoint/2010/main" xmlns="" val="3543658887"/>
       </p:ext>
     </p:extLst>
   </p:cSld>
@@ -7784,7 +7784,7 @@
     </p:spTree>
     <p:extLst>
       <p:ext uri="{BB962C8B-B14F-4D97-AF65-F5344CB8AC3E}">
-        <p14:creationId xmlns="" xmlns:p14="http://schemas.microsoft.com/office/powerpoint/2010/main" val="829875780"/>
+        <p14:creationId xmlns:p14="http://schemas.microsoft.com/office/powerpoint/2010/main" xmlns="" val="829875780"/>
       </p:ext>
     </p:extLst>
   </p:cSld>
@@ -8675,7 +8675,7 @@
     </p:spTree>
     <p:extLst>
       <p:ext uri="{BB962C8B-B14F-4D97-AF65-F5344CB8AC3E}">
-        <p14:creationId xmlns="" xmlns:p14="http://schemas.microsoft.com/office/powerpoint/2010/main" val="332476832"/>
+        <p14:creationId xmlns:p14="http://schemas.microsoft.com/office/powerpoint/2010/main" xmlns="" val="332476832"/>
       </p:ext>
     </p:extLst>
   </p:cSld>
@@ -8885,7 +8885,7 @@
     </p:spTree>
     <p:extLst>
       <p:ext uri="{BB962C8B-B14F-4D97-AF65-F5344CB8AC3E}">
-        <p14:creationId xmlns="" xmlns:p14="http://schemas.microsoft.com/office/powerpoint/2010/main" val="1640229708"/>
+        <p14:creationId xmlns:p14="http://schemas.microsoft.com/office/powerpoint/2010/main" xmlns="" val="1640229708"/>
       </p:ext>
     </p:extLst>
   </p:cSld>
@@ -9918,7 +9918,7 @@
     </p:spTree>
     <p:extLst>
       <p:ext uri="{BB962C8B-B14F-4D97-AF65-F5344CB8AC3E}">
-        <p14:creationId xmlns="" xmlns:p14="http://schemas.microsoft.com/office/powerpoint/2010/main" val="1708857575"/>
+        <p14:creationId xmlns:p14="http://schemas.microsoft.com/office/powerpoint/2010/main" xmlns="" val="1708857575"/>
       </p:ext>
     </p:extLst>
   </p:cSld>
@@ -10166,7 +10166,7 @@
     </p:spTree>
     <p:extLst>
       <p:ext uri="{BB962C8B-B14F-4D97-AF65-F5344CB8AC3E}">
-        <p14:creationId xmlns="" xmlns:p14="http://schemas.microsoft.com/office/powerpoint/2010/main" val="632768109"/>
+        <p14:creationId xmlns:p14="http://schemas.microsoft.com/office/powerpoint/2010/main" xmlns="" val="632768109"/>
       </p:ext>
     </p:extLst>
   </p:cSld>
@@ -10542,7 +10542,7 @@
     </p:spTree>
     <p:extLst>
       <p:ext uri="{BB962C8B-B14F-4D97-AF65-F5344CB8AC3E}">
-        <p14:creationId xmlns="" xmlns:p14="http://schemas.microsoft.com/office/powerpoint/2010/main" val="1867168828"/>
+        <p14:creationId xmlns:p14="http://schemas.microsoft.com/office/powerpoint/2010/main" xmlns="" val="1867168828"/>
       </p:ext>
     </p:extLst>
   </p:cSld>
@@ -10741,7 +10741,7 @@
     </p:spTree>
     <p:extLst>
       <p:ext uri="{BB962C8B-B14F-4D97-AF65-F5344CB8AC3E}">
-        <p14:creationId xmlns="" xmlns:p14="http://schemas.microsoft.com/office/powerpoint/2010/main" val="4103806731"/>
+        <p14:creationId xmlns:p14="http://schemas.microsoft.com/office/powerpoint/2010/main" xmlns="" val="4103806731"/>
       </p:ext>
     </p:extLst>
   </p:cSld>
@@ -11120,7 +11120,7 @@
     </p:spTree>
     <p:extLst>
       <p:ext uri="{BB962C8B-B14F-4D97-AF65-F5344CB8AC3E}">
-        <p14:creationId xmlns="" xmlns:p14="http://schemas.microsoft.com/office/powerpoint/2010/main" val="2236130147"/>
+        <p14:creationId xmlns:p14="http://schemas.microsoft.com/office/powerpoint/2010/main" xmlns="" val="2236130147"/>
       </p:ext>
     </p:extLst>
   </p:cSld>
@@ -11367,7 +11367,7 @@
     </p:spTree>
     <p:extLst>
       <p:ext uri="{BB962C8B-B14F-4D97-AF65-F5344CB8AC3E}">
-        <p14:creationId xmlns="" xmlns:p14="http://schemas.microsoft.com/office/powerpoint/2010/main" val="3355748131"/>
+        <p14:creationId xmlns:p14="http://schemas.microsoft.com/office/powerpoint/2010/main" xmlns="" val="3355748131"/>
       </p:ext>
     </p:extLst>
   </p:cSld>
@@ -12461,7 +12461,7 @@
     </p:spTree>
     <p:extLst>
       <p:ext uri="{BB962C8B-B14F-4D97-AF65-F5344CB8AC3E}">
-        <p14:creationId xmlns="" xmlns:p14="http://schemas.microsoft.com/office/powerpoint/2010/main" val="4191342823"/>
+        <p14:creationId xmlns:p14="http://schemas.microsoft.com/office/powerpoint/2010/main" xmlns="" val="4191342823"/>
       </p:ext>
     </p:extLst>
   </p:cSld>
@@ -12722,7 +12722,7 @@
     </p:spTree>
     <p:extLst>
       <p:ext uri="{BB962C8B-B14F-4D97-AF65-F5344CB8AC3E}">
-        <p14:creationId xmlns="" xmlns:p14="http://schemas.microsoft.com/office/powerpoint/2010/main" val="474261700"/>
+        <p14:creationId xmlns:p14="http://schemas.microsoft.com/office/powerpoint/2010/main" xmlns="" val="474261700"/>
       </p:ext>
     </p:extLst>
   </p:cSld>
@@ -13157,7 +13157,7 @@
     </p:spTree>
     <p:extLst>
       <p:ext uri="{BB962C8B-B14F-4D97-AF65-F5344CB8AC3E}">
-        <p14:creationId xmlns="" xmlns:p14="http://schemas.microsoft.com/office/powerpoint/2010/main" val="3103347591"/>
+        <p14:creationId xmlns:p14="http://schemas.microsoft.com/office/powerpoint/2010/main" xmlns="" val="3103347591"/>
       </p:ext>
     </p:extLst>
   </p:cSld>
@@ -13309,7 +13309,7 @@
     </p:spTree>
     <p:extLst>
       <p:ext uri="{BB962C8B-B14F-4D97-AF65-F5344CB8AC3E}">
-        <p14:creationId xmlns="" xmlns:p14="http://schemas.microsoft.com/office/powerpoint/2010/main" val="4173673651"/>
+        <p14:creationId xmlns:p14="http://schemas.microsoft.com/office/powerpoint/2010/main" xmlns="" val="4173673651"/>
       </p:ext>
     </p:extLst>
   </p:cSld>
@@ -13465,7 +13465,7 @@
     </p:spTree>
     <p:extLst>
       <p:ext uri="{BB962C8B-B14F-4D97-AF65-F5344CB8AC3E}">
-        <p14:creationId xmlns="" xmlns:p14="http://schemas.microsoft.com/office/powerpoint/2010/main" val="2410405196"/>
+        <p14:creationId xmlns:p14="http://schemas.microsoft.com/office/powerpoint/2010/main" xmlns="" val="2410405196"/>
       </p:ext>
     </p:extLst>
   </p:cSld>
@@ -14570,7 +14570,7 @@
     </p:spTree>
     <p:extLst>
       <p:ext uri="{BB962C8B-B14F-4D97-AF65-F5344CB8AC3E}">
-        <p14:creationId xmlns="" xmlns:p14="http://schemas.microsoft.com/office/powerpoint/2010/main" val="2603306181"/>
+        <p14:creationId xmlns:p14="http://schemas.microsoft.com/office/powerpoint/2010/main" xmlns="" val="2603306181"/>
       </p:ext>
     </p:extLst>
   </p:cSld>
@@ -15703,7 +15703,7 @@
     </p:spTree>
     <p:extLst>
       <p:ext uri="{BB962C8B-B14F-4D97-AF65-F5344CB8AC3E}">
-        <p14:creationId xmlns="" xmlns:p14="http://schemas.microsoft.com/office/powerpoint/2010/main" val="2863068936"/>
+        <p14:creationId xmlns:p14="http://schemas.microsoft.com/office/powerpoint/2010/main" xmlns="" val="2863068936"/>
       </p:ext>
     </p:extLst>
   </p:cSld>
@@ -16757,7 +16757,7 @@
     </p:spTree>
     <p:extLst>
       <p:ext uri="{BB962C8B-B14F-4D97-AF65-F5344CB8AC3E}">
-        <p14:creationId xmlns="" xmlns:p14="http://schemas.microsoft.com/office/powerpoint/2010/main" val="3901953483"/>
+        <p14:creationId xmlns:p14="http://schemas.microsoft.com/office/powerpoint/2010/main" xmlns="" val="3901953483"/>
       </p:ext>
     </p:extLst>
   </p:cSld>
@@ -17572,7 +17572,7 @@
     <a:masterClrMapping/>
   </p:clrMapOvr>
   <mc:AlternateContent xmlns:mc="http://schemas.openxmlformats.org/markup-compatibility/2006">
-    <mc:Choice xmlns="" xmlns:p14="http://schemas.microsoft.com/office/powerpoint/2010/main" Requires="p14">
+    <mc:Choice xmlns:p14="http://schemas.microsoft.com/office/powerpoint/2010/main" xmlns="" Requires="p14">
       <p:transition spd="slow">
         <p:fade thruBlk="1"/>
       </p:transition>
@@ -18981,7 +18981,7 @@
     <a:masterClrMapping/>
   </p:clrMapOvr>
   <mc:AlternateContent xmlns:mc="http://schemas.openxmlformats.org/markup-compatibility/2006">
-    <mc:Choice xmlns="" xmlns:p14="http://schemas.microsoft.com/office/powerpoint/2010/main" Requires="p14">
+    <mc:Choice xmlns:p14="http://schemas.microsoft.com/office/powerpoint/2010/main" xmlns="" Requires="p14">
       <p:transition spd="slow">
         <p:fade thruBlk="1"/>
       </p:transition>
@@ -19750,7 +19750,7 @@
     <a:masterClrMapping/>
   </p:clrMapOvr>
   <mc:AlternateContent xmlns:mc="http://schemas.openxmlformats.org/markup-compatibility/2006">
-    <mc:Choice xmlns="" xmlns:p14="http://schemas.microsoft.com/office/powerpoint/2010/main" Requires="p14">
+    <mc:Choice xmlns:p14="http://schemas.microsoft.com/office/powerpoint/2010/main" xmlns="" Requires="p14">
       <p:transition spd="slow">
         <p:push dir="r"/>
       </p:transition>
@@ -20490,7 +20490,7 @@
     <a:masterClrMapping/>
   </p:clrMapOvr>
   <mc:AlternateContent xmlns:mc="http://schemas.openxmlformats.org/markup-compatibility/2006">
-    <mc:Choice xmlns="" xmlns:p14="http://schemas.microsoft.com/office/powerpoint/2010/main" Requires="p14">
+    <mc:Choice xmlns:p14="http://schemas.microsoft.com/office/powerpoint/2010/main" xmlns="" Requires="p14">
       <p:transition spd="slow">
         <p:fade/>
       </p:transition>
@@ -20933,7 +20933,7 @@
     </p:spTree>
     <p:extLst>
       <p:ext uri="{BB962C8B-B14F-4D97-AF65-F5344CB8AC3E}">
-        <p14:creationId xmlns="" xmlns:p14="http://schemas.microsoft.com/office/powerpoint/2010/main" val="29549921"/>
+        <p14:creationId xmlns:p14="http://schemas.microsoft.com/office/powerpoint/2010/main" xmlns="" val="29549921"/>
       </p:ext>
     </p:extLst>
   </p:cSld>
@@ -20941,7 +20941,7 @@
     <a:masterClrMapping/>
   </p:clrMapOvr>
   <mc:AlternateContent xmlns:mc="http://schemas.openxmlformats.org/markup-compatibility/2006">
-    <mc:Choice xmlns="" xmlns:p14="http://schemas.microsoft.com/office/powerpoint/2010/main" Requires="p14">
+    <mc:Choice xmlns:p14="http://schemas.microsoft.com/office/powerpoint/2010/main" xmlns="" Requires="p14">
       <p:transition spd="slow" p14:dur="2000">
         <p:push dir="u"/>
       </p:transition>
@@ -21051,7 +21051,7 @@
     <a:masterClrMapping/>
   </p:clrMapOvr>
   <mc:AlternateContent xmlns:mc="http://schemas.openxmlformats.org/markup-compatibility/2006">
-    <mc:Choice xmlns="" xmlns:p14="http://schemas.microsoft.com/office/powerpoint/2010/main" Requires="p14">
+    <mc:Choice xmlns:p14="http://schemas.microsoft.com/office/powerpoint/2010/main" xmlns="" Requires="p14">
       <p:transition spd="slow">
         <p:fade/>
       </p:transition>
@@ -21273,7 +21273,7 @@
     <a:masterClrMapping/>
   </p:clrMapOvr>
   <mc:AlternateContent xmlns:mc="http://schemas.openxmlformats.org/markup-compatibility/2006">
-    <mc:Choice xmlns="" xmlns:p14="http://schemas.microsoft.com/office/powerpoint/2010/main" Requires="p14">
+    <mc:Choice xmlns:p14="http://schemas.microsoft.com/office/powerpoint/2010/main" xmlns="" Requires="p14">
       <p:transition spd="slow">
         <p14:prism/>
       </p:transition>
@@ -21462,7 +21462,7 @@
     </p:spTree>
     <p:extLst>
       <p:ext uri="{BB962C8B-B14F-4D97-AF65-F5344CB8AC3E}">
-        <p14:creationId xmlns="" xmlns:p14="http://schemas.microsoft.com/office/powerpoint/2010/main" val="1082362779"/>
+        <p14:creationId xmlns:p14="http://schemas.microsoft.com/office/powerpoint/2010/main" xmlns="" val="1082362779"/>
       </p:ext>
     </p:extLst>
   </p:cSld>
@@ -21470,7 +21470,7 @@
     <a:masterClrMapping/>
   </p:clrMapOvr>
   <mc:AlternateContent xmlns:mc="http://schemas.openxmlformats.org/markup-compatibility/2006">
-    <mc:Choice xmlns="" xmlns:p14="http://schemas.microsoft.com/office/powerpoint/2010/main" Requires="p14">
+    <mc:Choice xmlns:p14="http://schemas.microsoft.com/office/powerpoint/2010/main" xmlns="" Requires="p14">
       <p:transition spd="slow" p14:dur="2000">
         <p:split orient="vert"/>
       </p:transition>
@@ -25523,7 +25523,7 @@
     <a:masterClrMapping/>
   </p:clrMapOvr>
   <mc:AlternateContent xmlns:mc="http://schemas.openxmlformats.org/markup-compatibility/2006">
-    <mc:Choice xmlns="" xmlns:p14="http://schemas.microsoft.com/office/powerpoint/2010/main" Requires="p14">
+    <mc:Choice xmlns:p14="http://schemas.microsoft.com/office/powerpoint/2010/main" xmlns="" Requires="p14">
       <p:transition spd="slow">
         <p:push/>
       </p:transition>
@@ -26061,7 +26061,7 @@
     <a:masterClrMapping/>
   </p:clrMapOvr>
   <mc:AlternateContent xmlns:mc="http://schemas.openxmlformats.org/markup-compatibility/2006">
-    <mc:Choice xmlns="" xmlns:p14="http://schemas.microsoft.com/office/powerpoint/2010/main" Requires="p14">
+    <mc:Choice xmlns:p14="http://schemas.microsoft.com/office/powerpoint/2010/main" xmlns="" Requires="p14">
       <p:transition spd="slow">
         <p14:gallery dir="l"/>
       </p:transition>
@@ -26374,7 +26374,7 @@
     <a:masterClrMapping/>
   </p:clrMapOvr>
   <mc:AlternateContent xmlns:mc="http://schemas.openxmlformats.org/markup-compatibility/2006">
-    <mc:Choice xmlns="" xmlns:p14="http://schemas.microsoft.com/office/powerpoint/2010/main" Requires="p14">
+    <mc:Choice xmlns:p14="http://schemas.microsoft.com/office/powerpoint/2010/main" xmlns="" Requires="p14">
       <p:transition spd="slow">
         <p:fade thruBlk="1"/>
       </p:transition>
@@ -26994,7 +26994,7 @@
     <a:masterClrMapping/>
   </p:clrMapOvr>
   <mc:AlternateContent xmlns:mc="http://schemas.openxmlformats.org/markup-compatibility/2006">
-    <mc:Choice xmlns="" xmlns:p14="http://schemas.microsoft.com/office/powerpoint/2010/main" Requires="p14">
+    <mc:Choice xmlns:p14="http://schemas.microsoft.com/office/powerpoint/2010/main" xmlns="" Requires="p14">
       <p:transition spd="slow">
         <p:push dir="r"/>
       </p:transition>
@@ -27504,10 +27504,88 @@
           </a:prstGeom>
         </p:spPr>
       </p:pic>
+      <p:sp>
+        <p:nvSpPr>
+          <p:cNvPr id="5" name="Rectangle 4"/>
+          <p:cNvSpPr/>
+          <p:nvPr/>
+        </p:nvSpPr>
+        <p:spPr>
+          <a:xfrm>
+            <a:off x="6159500" y="3536950"/>
+            <a:ext cx="361950" cy="120650"/>
+          </a:xfrm>
+          <a:prstGeom prst="rect">
+            <a:avLst/>
+          </a:prstGeom>
+          <a:solidFill>
+            <a:schemeClr val="bg1"/>
+          </a:solidFill>
+          <a:ln>
+            <a:solidFill>
+              <a:schemeClr val="bg1"/>
+            </a:solidFill>
+          </a:ln>
+        </p:spPr>
+        <p:style>
+          <a:lnRef idx="2">
+            <a:schemeClr val="accent1">
+              <a:shade val="50000"/>
+            </a:schemeClr>
+          </a:lnRef>
+          <a:fillRef idx="1">
+            <a:schemeClr val="accent1"/>
+          </a:fillRef>
+          <a:effectRef idx="0">
+            <a:schemeClr val="accent1"/>
+          </a:effectRef>
+          <a:fontRef idx="minor">
+            <a:schemeClr val="lt1"/>
+          </a:fontRef>
+        </p:style>
+        <p:txBody>
+          <a:bodyPr rtlCol="0" anchor="ctr"/>
+          <a:lstStyle/>
+          <a:p>
+            <a:pPr algn="ctr"/>
+            <a:endParaRPr lang="en-IN"/>
+          </a:p>
+        </p:txBody>
+      </p:sp>
+      <p:sp>
+        <p:nvSpPr>
+          <p:cNvPr id="6" name="TextBox 5"/>
+          <p:cNvSpPr txBox="1"/>
+          <p:nvPr/>
+        </p:nvSpPr>
+        <p:spPr>
+          <a:xfrm>
+            <a:off x="6064250" y="3536950"/>
+            <a:ext cx="615950" cy="230832"/>
+          </a:xfrm>
+          <a:prstGeom prst="rect">
+            <a:avLst/>
+          </a:prstGeom>
+          <a:noFill/>
+        </p:spPr>
+        <p:txBody>
+          <a:bodyPr wrap="square" rtlCol="0">
+            <a:spAutoFit/>
+          </a:bodyPr>
+          <a:lstStyle/>
+          <a:p>
+            <a:r>
+              <a:rPr lang="en-IN" sz="900" dirty="0" smtClean="0"/>
+              <a:t>Server</a:t>
+            </a:r>
+            <a:endParaRPr lang="en-IN" sz="900" dirty="0"/>
+          </a:p>
+        </p:txBody>
+      </p:sp>
     </p:spTree>
     <p:extLst>
       <p:ext uri="{BB962C8B-B14F-4D97-AF65-F5344CB8AC3E}">
-        <p14:creationId xmlns="" xmlns:p14="http://schemas.microsoft.com/office/powerpoint/2010/main" val="2258327027"/>
+        <p14:creationId xmlns:p14="http://schemas.microsoft.com/office/powerpoint/2010/main" xmlns="" val="2258327027"/>
       </p:ext>
     </p:extLst>
   </p:cSld>
@@ -27515,7 +27593,7 @@
     <a:masterClrMapping/>
   </p:clrMapOvr>
   <mc:AlternateContent xmlns:mc="http://schemas.openxmlformats.org/markup-compatibility/2006">
-    <mc:Choice xmlns="" xmlns:p14="http://schemas.microsoft.com/office/powerpoint/2010/main" Requires="p14">
+    <mc:Choice xmlns:p14="http://schemas.microsoft.com/office/powerpoint/2010/main" xmlns="" Requires="p14">
       <p:transition spd="slow" p14:dur="1500">
         <p:split orient="vert"/>
       </p:transition>
@@ -27629,7 +27707,7 @@
     <a:masterClrMapping/>
   </p:clrMapOvr>
   <mc:AlternateContent xmlns:mc="http://schemas.openxmlformats.org/markup-compatibility/2006">
-    <mc:Choice xmlns="" xmlns:p14="http://schemas.microsoft.com/office/powerpoint/2010/main" Requires="p14">
+    <mc:Choice xmlns:p14="http://schemas.microsoft.com/office/powerpoint/2010/main" xmlns="" Requires="p14">
       <p:transition spd="slow">
         <p:fade/>
       </p:transition>
@@ -28111,7 +28189,7 @@
     <a:masterClrMapping/>
   </p:clrMapOvr>
   <mc:AlternateContent xmlns:mc="http://schemas.openxmlformats.org/markup-compatibility/2006">
-    <mc:Choice xmlns="" xmlns:p14="http://schemas.microsoft.com/office/powerpoint/2010/main" Requires="p14">
+    <mc:Choice xmlns:p14="http://schemas.microsoft.com/office/powerpoint/2010/main" xmlns="" Requires="p14">
       <p:transition spd="slow">
         <p14:flip dir="l"/>
       </p:transition>
@@ -28870,7 +28948,7 @@
     <a:masterClrMapping/>
   </p:clrMapOvr>
   <mc:AlternateContent xmlns:mc="http://schemas.openxmlformats.org/markup-compatibility/2006">
-    <mc:Choice xmlns="" xmlns:p14="http://schemas.microsoft.com/office/powerpoint/2010/main" Requires="p14">
+    <mc:Choice xmlns:p14="http://schemas.microsoft.com/office/powerpoint/2010/main" xmlns="" Requires="p14">
       <p:transition spd="slow">
         <p:fade thruBlk="1"/>
       </p:transition>
@@ -29889,7 +29967,7 @@
     <a:masterClrMapping/>
   </p:clrMapOvr>
   <mc:AlternateContent xmlns:mc="http://schemas.openxmlformats.org/markup-compatibility/2006">
-    <mc:Choice xmlns="" xmlns:p14="http://schemas.microsoft.com/office/powerpoint/2010/main" Requires="p14">
+    <mc:Choice xmlns:p14="http://schemas.microsoft.com/office/powerpoint/2010/main" xmlns="" Requires="p14">
       <p:transition spd="slow">
         <p:push/>
       </p:transition>
@@ -30559,7 +30637,7 @@
   <a:extraClrSchemeLst/>
   <a:extLst>
     <a:ext uri="{05A4C25C-085E-4340-85A3-A5531E510DB2}">
-      <thm15:themeFamily xmlns="" xmlns:thm15="http://schemas.microsoft.com/office/thememl/2012/main" name="Ion Boardroom" id="{FC33163D-4339-46B1-8EED-24C834239D99}" vid="{B8502691-933B-45FE-8764-BA278511EF27}"/>
+      <thm15:themeFamily xmlns:thm15="http://schemas.microsoft.com/office/thememl/2012/main" xmlns="" name="Ion Boardroom" id="{FC33163D-4339-46B1-8EED-24C834239D99}" vid="{B8502691-933B-45FE-8764-BA278511EF27}"/>
     </a:ext>
   </a:extLst>
 </a:theme>
